--- a/Etika Digital.pptx
+++ b/Etika Digital.pptx
@@ -248,7 +248,7 @@
           <a:p>
             <a:fld id="{169514ED-88B7-4B61-B785-3636C9C9F8CC}" type="datetimeFigureOut">
               <a:rPr lang="id-ID" smtClean="0"/>
-              <a:t>18/03/2020</a:t>
+              <a:t>20/03/2020</a:t>
             </a:fld>
             <a:endParaRPr lang="id-ID"/>
           </a:p>
@@ -561,7 +561,7 @@
           <a:p>
             <a:fld id="{169514ED-88B7-4B61-B785-3636C9C9F8CC}" type="datetimeFigureOut">
               <a:rPr lang="id-ID" smtClean="0"/>
-              <a:t>18/03/2020</a:t>
+              <a:t>20/03/2020</a:t>
             </a:fld>
             <a:endParaRPr lang="id-ID"/>
           </a:p>
@@ -746,7 +746,7 @@
           <a:p>
             <a:fld id="{169514ED-88B7-4B61-B785-3636C9C9F8CC}" type="datetimeFigureOut">
               <a:rPr lang="id-ID" smtClean="0"/>
-              <a:t>18/03/2020</a:t>
+              <a:t>20/03/2020</a:t>
             </a:fld>
             <a:endParaRPr lang="id-ID"/>
           </a:p>
@@ -921,7 +921,7 @@
           <a:p>
             <a:fld id="{169514ED-88B7-4B61-B785-3636C9C9F8CC}" type="datetimeFigureOut">
               <a:rPr lang="id-ID" smtClean="0"/>
-              <a:t>18/03/2020</a:t>
+              <a:t>20/03/2020</a:t>
             </a:fld>
             <a:endParaRPr lang="id-ID"/>
           </a:p>
@@ -1189,7 +1189,7 @@
           <a:p>
             <a:fld id="{169514ED-88B7-4B61-B785-3636C9C9F8CC}" type="datetimeFigureOut">
               <a:rPr lang="id-ID" smtClean="0"/>
-              <a:t>18/03/2020</a:t>
+              <a:t>20/03/2020</a:t>
             </a:fld>
             <a:endParaRPr lang="id-ID"/>
           </a:p>
@@ -1657,7 +1657,7 @@
           <a:p>
             <a:fld id="{169514ED-88B7-4B61-B785-3636C9C9F8CC}" type="datetimeFigureOut">
               <a:rPr lang="id-ID" smtClean="0"/>
-              <a:t>18/03/2020</a:t>
+              <a:t>20/03/2020</a:t>
             </a:fld>
             <a:endParaRPr lang="id-ID"/>
           </a:p>
@@ -2146,7 +2146,7 @@
           <a:p>
             <a:fld id="{169514ED-88B7-4B61-B785-3636C9C9F8CC}" type="datetimeFigureOut">
               <a:rPr lang="id-ID" smtClean="0"/>
-              <a:t>18/03/2020</a:t>
+              <a:t>20/03/2020</a:t>
             </a:fld>
             <a:endParaRPr lang="id-ID"/>
           </a:p>
@@ -2272,7 +2272,7 @@
           <a:p>
             <a:fld id="{169514ED-88B7-4B61-B785-3636C9C9F8CC}" type="datetimeFigureOut">
               <a:rPr lang="id-ID" smtClean="0"/>
-              <a:t>18/03/2020</a:t>
+              <a:t>20/03/2020</a:t>
             </a:fld>
             <a:endParaRPr lang="id-ID"/>
           </a:p>
@@ -2416,7 +2416,7 @@
           <a:p>
             <a:fld id="{169514ED-88B7-4B61-B785-3636C9C9F8CC}" type="datetimeFigureOut">
               <a:rPr lang="id-ID" smtClean="0"/>
-              <a:t>18/03/2020</a:t>
+              <a:t>20/03/2020</a:t>
             </a:fld>
             <a:endParaRPr lang="id-ID"/>
           </a:p>
@@ -2738,7 +2738,7 @@
           <a:p>
             <a:fld id="{169514ED-88B7-4B61-B785-3636C9C9F8CC}" type="datetimeFigureOut">
               <a:rPr lang="id-ID" smtClean="0"/>
-              <a:t>18/03/2020</a:t>
+              <a:t>20/03/2020</a:t>
             </a:fld>
             <a:endParaRPr lang="id-ID"/>
           </a:p>
@@ -2872,7 +2872,7 @@
           <a:p>
             <a:fld id="{169514ED-88B7-4B61-B785-3636C9C9F8CC}" type="datetimeFigureOut">
               <a:rPr lang="id-ID" smtClean="0"/>
-              <a:t>18/03/2020</a:t>
+              <a:t>20/03/2020</a:t>
             </a:fld>
             <a:endParaRPr lang="id-ID"/>
           </a:p>
@@ -3653,7 +3653,7 @@
           <a:p>
             <a:fld id="{169514ED-88B7-4B61-B785-3636C9C9F8CC}" type="datetimeFigureOut">
               <a:rPr lang="id-ID" smtClean="0"/>
-              <a:t>18/03/2020</a:t>
+              <a:t>20/03/2020</a:t>
             </a:fld>
             <a:endParaRPr lang="id-ID"/>
           </a:p>
@@ -4411,7 +4411,15 @@
             </a:r>
             <a:r>
               <a:rPr lang="id-ID" dirty="0"/>
-              <a:t>Tujuannya adalah untuk menentukan tanggung jawab sosial dan membimbing praktisi dalam membuat etika penilaian yang baik. </a:t>
+              <a:t>Tujuannya </a:t>
+            </a:r>
+            <a:r>
+              <a:rPr lang="id-ID" dirty="0" smtClean="0"/>
+              <a:t>untuk </a:t>
+            </a:r>
+            <a:r>
+              <a:rPr lang="id-ID" dirty="0"/>
+              <a:t>menentukan tanggung jawab sosial dan membimbing praktisi dalam membuat etika penilaian yang baik. </a:t>
             </a:r>
           </a:p>
           <a:p>
@@ -4488,7 +4496,7 @@
         <p:spPr>
           <a:xfrm>
             <a:off x="1043608" y="1844824"/>
-            <a:ext cx="7128792" cy="1200329"/>
+            <a:ext cx="7128792" cy="2585323"/>
           </a:xfrm>
           <a:prstGeom prst="rect">
             <a:avLst/>
@@ -4501,39 +4509,86 @@
           </a:bodyPr>
           <a:lstStyle/>
           <a:p>
-            <a:pPr marL="285750" indent="-285750">
-              <a:buFont typeface="Wingdings" panose="05000000000000000000" pitchFamily="2" charset="2"/>
-              <a:buChar char="ü"/>
-            </a:pPr>
+            <a:pPr algn="just"/>
             <a:r>
               <a:rPr lang="id-ID" dirty="0" smtClean="0"/>
-              <a:t>Globalisasi digital meciptakan lingkungan baru yang lebih luas dengan beragam latar belakang  dan kepentingan.</a:t>
-            </a:r>
-          </a:p>
-          <a:p>
-            <a:pPr marL="285750" indent="-285750">
-              <a:buFont typeface="Wingdings" panose="05000000000000000000" pitchFamily="2" charset="2"/>
-              <a:buChar char="ü"/>
-            </a:pPr>
+              <a:t>Akses </a:t>
+            </a:r>
+            <a:r>
+              <a:rPr lang="id-ID" dirty="0"/>
+              <a:t>penggunaan teknologi merupakan hak bagi setiap </a:t>
+            </a:r>
             <a:r>
               <a:rPr lang="id-ID" dirty="0" smtClean="0"/>
-              <a:t>Perkembangan internet sebagai infrastruktur </a:t>
+              <a:t>manusia. Penggunaan </a:t>
             </a:r>
             <a:r>
               <a:rPr lang="id-ID" dirty="0"/>
-              <a:t>komunikasi lokal dan internasional </a:t>
+              <a:t>teknologi secara global </a:t>
             </a:r>
             <a:r>
               <a:rPr lang="id-ID" dirty="0" smtClean="0"/>
-              <a:t>dalam kegiatan </a:t>
+              <a:t>menciptakan </a:t>
             </a:r>
             <a:r>
               <a:rPr lang="id-ID" dirty="0"/>
-              <a:t>ekonomi dan </a:t>
+              <a:t>lingkungan baru yang lebih </a:t>
             </a:r>
             <a:r>
               <a:rPr lang="id-ID" dirty="0" smtClean="0"/>
-              <a:t>politik</a:t>
+              <a:t>luas karena, dapat menimbulkan </a:t>
+            </a:r>
+            <a:r>
+              <a:rPr lang="id-ID" dirty="0"/>
+              <a:t>masalah baru tentang standar moral yang digunakan. </a:t>
+            </a:r>
+            <a:r>
+              <a:rPr lang="id-ID" dirty="0" smtClean="0"/>
+              <a:t>Dampak </a:t>
+            </a:r>
+            <a:r>
+              <a:rPr lang="id-ID" dirty="0"/>
+              <a:t>yang terjadi dari perubahan ini adalah </a:t>
+            </a:r>
+            <a:r>
+              <a:rPr lang="id-ID" dirty="0" smtClean="0"/>
+              <a:t>tentang sebuah </a:t>
+            </a:r>
+            <a:r>
+              <a:rPr lang="id-ID" dirty="0"/>
+              <a:t>kepercayaan dan </a:t>
+            </a:r>
+            <a:r>
+              <a:rPr lang="id-ID" dirty="0" smtClean="0"/>
+              <a:t>moral masyarakat. </a:t>
+            </a:r>
+            <a:r>
+              <a:rPr lang="id-ID" dirty="0"/>
+              <a:t>Pemanfaatkan internet sebagai </a:t>
+            </a:r>
+            <a:r>
+              <a:rPr lang="id-ID" dirty="0" smtClean="0"/>
+              <a:t>salah satu </a:t>
+            </a:r>
+            <a:r>
+              <a:rPr lang="id-ID" dirty="0"/>
+              <a:t>infrastruktur komunikasi </a:t>
+            </a:r>
+            <a:r>
+              <a:rPr lang="id-ID" dirty="0" smtClean="0"/>
+              <a:t>global, dan cloud sebagai media penyimpanan juga </a:t>
+            </a:r>
+            <a:r>
+              <a:rPr lang="id-ID" dirty="0"/>
+              <a:t>memunculkan masalah baru terkait </a:t>
+            </a:r>
+            <a:r>
+              <a:rPr lang="id-ID" dirty="0" smtClean="0"/>
+              <a:t>keamanan data privasi yang tersimpan. </a:t>
+            </a:r>
+            <a:r>
+              <a:rPr lang="id-ID" dirty="0"/>
+              <a:t>Etika digital muncul untuk mengatur dalam menentukan tanggung jawab sosial dan praktisi dalam beretika.</a:t>
             </a:r>
           </a:p>
         </p:txBody>
@@ -4776,7 +4831,7 @@
         <p:spPr>
           <a:xfrm>
             <a:off x="1115616" y="1412776"/>
-            <a:ext cx="7704856" cy="604663"/>
+            <a:ext cx="7704856" cy="864096"/>
           </a:xfrm>
           <a:prstGeom prst="rect">
             <a:avLst/>
@@ -4784,7 +4839,7 @@
         </p:spPr>
         <p:txBody>
           <a:bodyPr>
-            <a:normAutofit lnSpcReduction="10000"/>
+            <a:normAutofit fontScale="92500" lnSpcReduction="10000"/>
           </a:bodyPr>
           <a:lstStyle>
             <a:lvl1pPr marL="365760" indent="-283464" algn="l" rtl="0" eaLnBrk="1" latinLnBrk="0" hangingPunct="1">
@@ -4986,7 +5041,23 @@
             </a:pPr>
             <a:r>
               <a:rPr lang="id-ID" sz="1800" dirty="0" smtClean="0"/>
-              <a:t>Adanya internet yang terhubung secara global menyebabkan pentingnya keamanan, etika dan kepercayaan</a:t>
+              <a:t>Kemunculan etika digital salah satunya dikarenakan adanya </a:t>
+            </a:r>
+            <a:r>
+              <a:rPr lang="id-ID" sz="1800" dirty="0" smtClean="0"/>
+              <a:t>internet yang </a:t>
+            </a:r>
+            <a:r>
+              <a:rPr lang="id-ID" sz="1800" dirty="0" smtClean="0"/>
+              <a:t>saling terhubung baik perusahaan atau masyarakat secara global, yang </a:t>
+            </a:r>
+            <a:r>
+              <a:rPr lang="id-ID" sz="1800" dirty="0" smtClean="0"/>
+              <a:t>menyebabkan pentingnya keamanan, etika dan </a:t>
+            </a:r>
+            <a:r>
+              <a:rPr lang="id-ID" sz="1800" dirty="0" smtClean="0"/>
+              <a:t>kepercayaan.</a:t>
             </a:r>
             <a:endParaRPr lang="id-ID" sz="1800" dirty="0"/>
           </a:p>
@@ -5394,28 +5465,12 @@
               <a:buChar char="Ø"/>
             </a:pPr>
             <a:r>
+              <a:rPr lang="id-ID" sz="1800" dirty="0"/>
+              <a:t>B</a:t>
+            </a:r>
+            <a:r>
               <a:rPr lang="id-ID" sz="1800" dirty="0" smtClean="0"/>
-              <a:t>Pengembangan etika digital yang dilakukan Institute </a:t>
-            </a:r>
-            <a:r>
-              <a:rPr lang="id-ID" sz="1800" dirty="0"/>
-              <a:t>of Electrical and Electronics Engineer (IEEE), Asosiasi Computing Machinery (ACM), dan National Society of Professional Engineers (NSPE), telah </a:t>
-            </a:r>
-            <a:r>
-              <a:rPr lang="id-ID" sz="1800" dirty="0" smtClean="0"/>
-              <a:t>diterima </a:t>
-            </a:r>
-            <a:r>
-              <a:rPr lang="id-ID" sz="1800" dirty="0"/>
-              <a:t>secara luas, kode etik </a:t>
-            </a:r>
-            <a:r>
-              <a:rPr lang="id-ID" sz="1800" dirty="0" smtClean="0"/>
-              <a:t> yang komprehensif</a:t>
-            </a:r>
-            <a:r>
-              <a:rPr lang="id-ID" sz="1800" dirty="0"/>
-              <a:t>. </a:t>
+              <a:t>eberapa institusi ternama telah mengembangkan kode etik yang dapat diterima secara luas dengan memberikan sampel penerapan kode etik tersebut di organisasi ternama.</a:t>
             </a:r>
             <a:endParaRPr lang="id-ID" sz="1800" dirty="0" smtClean="0"/>
           </a:p>
@@ -5426,11 +5481,23 @@
             </a:pPr>
             <a:r>
               <a:rPr lang="id-ID" sz="1800" dirty="0" smtClean="0"/>
-              <a:t>Kode etik hanya </a:t>
+              <a:t>Kode </a:t>
+            </a:r>
+            <a:r>
+              <a:rPr lang="id-ID" sz="1800" dirty="0" smtClean="0"/>
+              <a:t>etik dapat digunakan sebagai kekuatan </a:t>
             </a:r>
             <a:r>
               <a:rPr lang="id-ID" sz="1800" dirty="0"/>
-              <a:t>menjadi kekuatan hukum ketika mereka diadopsi oleh </a:t>
+              <a:t>hukum ketika </a:t>
+            </a:r>
+            <a:r>
+              <a:rPr lang="id-ID" sz="1800" dirty="0" smtClean="0"/>
+              <a:t>diadopsi </a:t>
+            </a:r>
+            <a:r>
+              <a:rPr lang="id-ID" sz="1800" dirty="0"/>
+              <a:t>oleh </a:t>
             </a:r>
             <a:r>
               <a:rPr lang="id-ID" sz="1800" dirty="0" smtClean="0"/>
@@ -5442,7 +5509,11 @@
             </a:r>
             <a:r>
               <a:rPr lang="id-ID" sz="1800" dirty="0" smtClean="0"/>
-              <a:t>pengatur undang-undang.</a:t>
+              <a:t>pengatur </a:t>
+            </a:r>
+            <a:r>
+              <a:rPr lang="id-ID" sz="1800" dirty="0" smtClean="0"/>
+              <a:t>undang-undang sebagai payung hukum.</a:t>
             </a:r>
             <a:endParaRPr lang="id-ID" sz="1800" dirty="0"/>
           </a:p>
@@ -5541,41 +5612,10 @@
           </a:p>
           <a:p>
             <a:r>
-              <a:rPr lang="id-ID" sz="2000" dirty="0"/>
-              <a:t>P</a:t>
-            </a:r>
-            <a:r>
               <a:rPr lang="id-ID" sz="2000" dirty="0" smtClean="0"/>
-              <a:t>endidikan </a:t>
-            </a:r>
-            <a:r>
-              <a:rPr lang="id-ID" sz="2000" dirty="0"/>
-              <a:t>etika </a:t>
-            </a:r>
-            <a:r>
-              <a:rPr lang="id-ID" sz="2000" dirty="0"/>
-              <a:t>digital </a:t>
-            </a:r>
-            <a:r>
-              <a:rPr lang="id-ID" sz="2000" dirty="0" smtClean="0"/>
-              <a:t>bagi </a:t>
-            </a:r>
-            <a:r>
-              <a:rPr lang="id-ID" sz="2000" dirty="0"/>
-              <a:t>semua warga negara </a:t>
-            </a:r>
-            <a:r>
-              <a:rPr lang="id-ID" sz="2000" dirty="0" smtClean="0"/>
-              <a:t>juga </a:t>
-            </a:r>
-            <a:r>
-              <a:rPr lang="id-ID" sz="2000" dirty="0" smtClean="0"/>
-              <a:t>sangat </a:t>
-            </a:r>
-            <a:r>
-              <a:rPr lang="id-ID" sz="2000" dirty="0"/>
-              <a:t>penting. </a:t>
-            </a:r>
+              <a:t>Pentingnya pendidikan etika untuk semua warga negara.</a:t>
+            </a:r>
+            <a:endParaRPr lang="id-ID" sz="2000" dirty="0"/>
           </a:p>
         </p:txBody>
       </p:sp>
